--- a/wk3Presentation.pptx
+++ b/wk3Presentation.pptx
@@ -8,6 +8,8 @@
     <p:sldId id="256" r:id="rId2"/>
     <p:sldId id="257" r:id="rId3"/>
     <p:sldId id="258" r:id="rId4"/>
+    <p:sldId id="259" r:id="rId5"/>
+    <p:sldId id="260" r:id="rId6"/>
   </p:sldIdLst>
   <p:sldSz cx="12192000" cy="6858000"/>
   <p:notesSz cx="6858000" cy="9144000"/>
@@ -106,6 +108,11 @@
       </a:defRPr>
     </a:lvl9pPr>
   </p:defaultTextStyle>
+  <p:extLst>
+    <p:ext uri="{EFAFB233-063F-42B5-8137-9DF3F51BA10A}">
+      <p15:sldGuideLst xmlns:p15="http://schemas.microsoft.com/office/powerpoint/2012/main"/>
+    </p:ext>
+  </p:extLst>
 </p:presentation>
 </file>
 
@@ -334,7 +341,7 @@
             <a:fld id="{5586B75A-687E-405C-8A0B-8D00578BA2C3}" type="datetimeFigureOut">
               <a:rPr lang="en-US" dirty="0"/>
               <a:pPr/>
-              <a:t>9/27/23</a:t>
+              <a:t>9/29/23</a:t>
             </a:fld>
             <a:endParaRPr lang="en-US" dirty="0"/>
           </a:p>
@@ -501,7 +508,7 @@
             <a:fld id="{5586B75A-687E-405C-8A0B-8D00578BA2C3}" type="datetimeFigureOut">
               <a:rPr lang="en-US" dirty="0"/>
               <a:pPr/>
-              <a:t>9/27/23</a:t>
+              <a:t>9/29/23</a:t>
             </a:fld>
             <a:endParaRPr lang="en-US" dirty="0"/>
           </a:p>
@@ -678,7 +685,7 @@
             <a:fld id="{5586B75A-687E-405C-8A0B-8D00578BA2C3}" type="datetimeFigureOut">
               <a:rPr lang="en-US" dirty="0"/>
               <a:pPr/>
-              <a:t>9/27/23</a:t>
+              <a:t>9/29/23</a:t>
             </a:fld>
             <a:endParaRPr lang="en-US" dirty="0"/>
           </a:p>
@@ -845,7 +852,7 @@
             <a:fld id="{5586B75A-687E-405C-8A0B-8D00578BA2C3}" type="datetimeFigureOut">
               <a:rPr lang="en-US" dirty="0"/>
               <a:pPr/>
-              <a:t>9/27/23</a:t>
+              <a:t>9/29/23</a:t>
             </a:fld>
             <a:endParaRPr lang="en-US" dirty="0"/>
           </a:p>
@@ -1100,7 +1107,7 @@
             <a:fld id="{5586B75A-687E-405C-8A0B-8D00578BA2C3}" type="datetimeFigureOut">
               <a:rPr lang="en-US" dirty="0"/>
               <a:pPr/>
-              <a:t>9/27/23</a:t>
+              <a:t>9/29/23</a:t>
             </a:fld>
             <a:endParaRPr lang="en-US" dirty="0"/>
           </a:p>
@@ -1385,7 +1392,7 @@
             <a:fld id="{5586B75A-687E-405C-8A0B-8D00578BA2C3}" type="datetimeFigureOut">
               <a:rPr lang="en-US" dirty="0"/>
               <a:pPr/>
-              <a:t>9/27/23</a:t>
+              <a:t>9/29/23</a:t>
             </a:fld>
             <a:endParaRPr lang="en-US" dirty="0"/>
           </a:p>
@@ -1824,7 +1831,7 @@
             <a:fld id="{5586B75A-687E-405C-8A0B-8D00578BA2C3}" type="datetimeFigureOut">
               <a:rPr lang="en-US" dirty="0"/>
               <a:pPr/>
-              <a:t>9/27/23</a:t>
+              <a:t>9/29/23</a:t>
             </a:fld>
             <a:endParaRPr lang="en-US" dirty="0"/>
           </a:p>
@@ -1939,7 +1946,7 @@
             <a:fld id="{5586B75A-687E-405C-8A0B-8D00578BA2C3}" type="datetimeFigureOut">
               <a:rPr lang="en-US" dirty="0"/>
               <a:pPr/>
-              <a:t>9/27/23</a:t>
+              <a:t>9/29/23</a:t>
             </a:fld>
             <a:endParaRPr lang="en-US" dirty="0"/>
           </a:p>
@@ -2031,7 +2038,7 @@
             <a:fld id="{5586B75A-687E-405C-8A0B-8D00578BA2C3}" type="datetimeFigureOut">
               <a:rPr lang="en-US" dirty="0"/>
               <a:pPr/>
-              <a:t>9/27/23</a:t>
+              <a:t>9/29/23</a:t>
             </a:fld>
             <a:endParaRPr lang="en-US" dirty="0"/>
           </a:p>
@@ -2316,7 +2323,7 @@
             <a:fld id="{5586B75A-687E-405C-8A0B-8D00578BA2C3}" type="datetimeFigureOut">
               <a:rPr lang="en-US" dirty="0"/>
               <a:pPr/>
-              <a:t>9/27/23</a:t>
+              <a:t>9/29/23</a:t>
             </a:fld>
             <a:endParaRPr lang="en-US" dirty="0"/>
           </a:p>
@@ -2586,7 +2593,7 @@
             <a:fld id="{5586B75A-687E-405C-8A0B-8D00578BA2C3}" type="datetimeFigureOut">
               <a:rPr lang="en-US" dirty="0"/>
               <a:pPr/>
-              <a:t>9/27/23</a:t>
+              <a:t>9/29/23</a:t>
             </a:fld>
             <a:endParaRPr lang="en-US" dirty="0"/>
           </a:p>
@@ -2880,7 +2887,7 @@
             <a:fld id="{5586B75A-687E-405C-8A0B-8D00578BA2C3}" type="datetimeFigureOut">
               <a:rPr lang="en-US" dirty="0"/>
               <a:pPr/>
-              <a:t>9/27/23</a:t>
+              <a:t>9/29/23</a:t>
             </a:fld>
             <a:endParaRPr lang="en-US" dirty="0"/>
           </a:p>
@@ -3375,12 +3382,83 @@
             <p:ph type="ctrTitle"/>
           </p:nvPr>
         </p:nvSpPr>
-        <p:spPr/>
-        <p:txBody>
-          <a:bodyPr/>
+        <p:spPr>
+          <a:xfrm>
+            <a:off x="4757615" y="1113853"/>
+            <a:ext cx="3963923" cy="3211830"/>
+          </a:xfrm>
+        </p:spPr>
+        <p:txBody>
+          <a:bodyPr>
+            <a:noAutofit/>
+          </a:bodyPr>
           <a:lstStyle/>
           <a:p>
-            <a:endParaRPr lang="en-US" dirty="0"/>
+            <a:r>
+              <a:rPr lang="en-US" sz="2800" b="1" dirty="0">
+                <a:solidFill>
+                  <a:srgbClr val="002060"/>
+                </a:solidFill>
+                <a:latin typeface="Adelle Sans Devanagari" panose="02000503000000020004" pitchFamily="2" charset="-78"/>
+                <a:cs typeface="Adelle Sans Devanagari" panose="02000503000000020004" pitchFamily="2" charset="-78"/>
+              </a:rPr>
+              <a:t>Earthquakes.</a:t>
+            </a:r>
+            <a:br>
+              <a:rPr lang="en-US" sz="2800" b="1" dirty="0">
+                <a:solidFill>
+                  <a:srgbClr val="002060"/>
+                </a:solidFill>
+                <a:latin typeface="Adelle Sans Devanagari" panose="02000503000000020004" pitchFamily="2" charset="-78"/>
+                <a:cs typeface="Adelle Sans Devanagari" panose="02000503000000020004" pitchFamily="2" charset="-78"/>
+              </a:rPr>
+            </a:br>
+            <a:br>
+              <a:rPr lang="en-US" sz="2800" b="1" dirty="0">
+                <a:solidFill>
+                  <a:srgbClr val="002060"/>
+                </a:solidFill>
+                <a:latin typeface="Adelle Sans Devanagari" panose="02000503000000020004" pitchFamily="2" charset="-78"/>
+                <a:cs typeface="Adelle Sans Devanagari" panose="02000503000000020004" pitchFamily="2" charset="-78"/>
+              </a:rPr>
+            </a:br>
+            <a:br>
+              <a:rPr lang="en-US" sz="2800" b="1" dirty="0">
+                <a:solidFill>
+                  <a:srgbClr val="002060"/>
+                </a:solidFill>
+                <a:latin typeface="Adelle Sans Devanagari" panose="02000503000000020004" pitchFamily="2" charset="-78"/>
+                <a:cs typeface="Adelle Sans Devanagari" panose="02000503000000020004" pitchFamily="2" charset="-78"/>
+              </a:rPr>
+            </a:br>
+            <a:br>
+              <a:rPr lang="en-US" sz="2800" b="1" dirty="0">
+                <a:solidFill>
+                  <a:srgbClr val="002060"/>
+                </a:solidFill>
+                <a:latin typeface="Adelle Sans Devanagari" panose="02000503000000020004" pitchFamily="2" charset="-78"/>
+                <a:cs typeface="Adelle Sans Devanagari" panose="02000503000000020004" pitchFamily="2" charset="-78"/>
+              </a:rPr>
+            </a:br>
+            <a:br>
+              <a:rPr lang="en-US" sz="2800" b="1" dirty="0">
+                <a:solidFill>
+                  <a:srgbClr val="002060"/>
+                </a:solidFill>
+                <a:latin typeface="Adelle Sans Devanagari" panose="02000503000000020004" pitchFamily="2" charset="-78"/>
+                <a:cs typeface="Adelle Sans Devanagari" panose="02000503000000020004" pitchFamily="2" charset="-78"/>
+              </a:rPr>
+            </a:br>
+            <a:r>
+              <a:rPr lang="en-US" sz="2800" b="1" dirty="0">
+                <a:solidFill>
+                  <a:srgbClr val="002060"/>
+                </a:solidFill>
+                <a:latin typeface="Adelle Sans Devanagari" panose="02000503000000020004" pitchFamily="2" charset="-78"/>
+                <a:cs typeface="Adelle Sans Devanagari" panose="02000503000000020004" pitchFamily="2" charset="-78"/>
+              </a:rPr>
+              <a:t>Event Magnitude relationship occurrence and Location.</a:t>
+            </a:r>
           </a:p>
         </p:txBody>
       </p:sp>
@@ -3403,17 +3481,14 @@
         <p:spPr/>
         <p:txBody>
           <a:bodyPr>
-            <a:normAutofit fontScale="92500" lnSpcReduction="10000"/>
+            <a:normAutofit/>
           </a:bodyPr>
           <a:lstStyle/>
           <a:p>
             <a:endParaRPr lang="en-US" dirty="0"/>
           </a:p>
           <a:p>
-            <a:r>
-              <a:rPr lang="en-US" sz="3500" dirty="0"/>
-              <a:t>Earthquakes</a:t>
-            </a:r>
+            <a:endParaRPr lang="en-US" sz="3500" dirty="0"/>
           </a:p>
         </p:txBody>
       </p:sp>
@@ -3439,8 +3514,8 @@
         </p:blipFill>
         <p:spPr>
           <a:xfrm>
-            <a:off x="998471" y="885825"/>
-            <a:ext cx="7416743" cy="3784421"/>
+            <a:off x="1" y="885825"/>
+            <a:ext cx="4674870" cy="3667887"/>
           </a:xfrm>
           <a:prstGeom prst="rect">
             <a:avLst/>
@@ -3493,40 +3568,282 @@
             <p:ph type="title"/>
           </p:nvPr>
         </p:nvSpPr>
-        <p:spPr/>
-        <p:txBody>
-          <a:bodyPr/>
+        <p:spPr>
+          <a:xfrm>
+            <a:off x="252919" y="1123838"/>
+            <a:ext cx="2947482" cy="670672"/>
+          </a:xfrm>
+        </p:spPr>
+        <p:txBody>
+          <a:bodyPr>
+            <a:normAutofit/>
+          </a:bodyPr>
           <a:lstStyle/>
           <a:p>
-            <a:endParaRPr lang="en-US"/>
-          </a:p>
-        </p:txBody>
-      </p:sp>
-      <p:sp>
-        <p:nvSpPr>
-          <p:cNvPr id="3" name="Content Placeholder 2">
+            <a:endParaRPr lang="en-US" sz="1200" dirty="0"/>
+          </a:p>
+        </p:txBody>
+      </p:sp>
+      <p:pic>
+        <p:nvPicPr>
+          <p:cNvPr id="4" name="Content Placeholder 3">
             <a:extLst>
               <a:ext uri="{FF2B5EF4-FFF2-40B4-BE49-F238E27FC236}">
-                <a16:creationId xmlns:a16="http://schemas.microsoft.com/office/drawing/2014/main" id="{507FBC1F-72CF-CD85-CB67-F4CBB8FF845D}"/>
+                <a16:creationId xmlns:a16="http://schemas.microsoft.com/office/drawing/2014/main" id="{525377CD-ED58-6A9A-D86A-58BB1342CB3E}"/>
               </a:ext>
             </a:extLst>
           </p:cNvPr>
-          <p:cNvSpPr>
-            <a:spLocks noGrp="1"/>
-          </p:cNvSpPr>
+          <p:cNvPicPr>
+            <a:picLocks noGrp="1" noChangeAspect="1"/>
+          </p:cNvPicPr>
           <p:nvPr>
             <p:ph idx="1"/>
           </p:nvPr>
-        </p:nvSpPr>
-        <p:spPr/>
-        <p:txBody>
-          <a:bodyPr/>
-          <a:lstStyle/>
-          <a:p>
-            <a:endParaRPr lang="en-US"/>
-          </a:p>
-        </p:txBody>
-      </p:sp>
+        </p:nvPicPr>
+        <p:blipFill>
+          <a:blip r:embed="rId2"/>
+          <a:stretch>
+            <a:fillRect/>
+          </a:stretch>
+        </p:blipFill>
+        <p:spPr>
+          <a:xfrm>
+            <a:off x="6503670" y="0"/>
+            <a:ext cx="5045271" cy="3669030"/>
+          </a:xfrm>
+          <a:prstGeom prst="rect">
+            <a:avLst/>
+          </a:prstGeom>
+        </p:spPr>
+      </p:pic>
+      <p:pic>
+        <p:nvPicPr>
+          <p:cNvPr id="5" name="Picture 4">
+            <a:extLst>
+              <a:ext uri="{FF2B5EF4-FFF2-40B4-BE49-F238E27FC236}">
+                <a16:creationId xmlns:a16="http://schemas.microsoft.com/office/drawing/2014/main" id="{2B55C440-8497-AEA1-8DE3-C92244181DE7}"/>
+              </a:ext>
+            </a:extLst>
+          </p:cNvPr>
+          <p:cNvPicPr>
+            <a:picLocks noChangeAspect="1"/>
+          </p:cNvPicPr>
+          <p:nvPr/>
+        </p:nvPicPr>
+        <p:blipFill>
+          <a:blip r:embed="rId3"/>
+          <a:stretch>
+            <a:fillRect/>
+          </a:stretch>
+        </p:blipFill>
+        <p:spPr>
+          <a:xfrm>
+            <a:off x="0" y="932595"/>
+            <a:ext cx="6229350" cy="4992810"/>
+          </a:xfrm>
+          <a:prstGeom prst="rect">
+            <a:avLst/>
+          </a:prstGeom>
+        </p:spPr>
+      </p:pic>
+      <p:graphicFrame>
+        <p:nvGraphicFramePr>
+          <p:cNvPr id="6" name="Table 5">
+            <a:extLst>
+              <a:ext uri="{FF2B5EF4-FFF2-40B4-BE49-F238E27FC236}">
+                <a16:creationId xmlns:a16="http://schemas.microsoft.com/office/drawing/2014/main" id="{D233C41D-1D27-7FEA-1F8A-0D0648B99C94}"/>
+              </a:ext>
+            </a:extLst>
+          </p:cNvPr>
+          <p:cNvGraphicFramePr>
+            <a:graphicFrameLocks noGrp="1"/>
+          </p:cNvGraphicFramePr>
+          <p:nvPr>
+            <p:extLst>
+              <p:ext uri="{D42A27DB-BD31-4B8C-83A1-F6EECF244321}">
+                <p14:modId xmlns:p14="http://schemas.microsoft.com/office/powerpoint/2010/main" val="491927949"/>
+              </p:ext>
+            </p:extLst>
+          </p:nvPr>
+        </p:nvGraphicFramePr>
+        <p:xfrm>
+          <a:off x="595819" y="5925405"/>
+          <a:ext cx="3886200" cy="640080"/>
+        </p:xfrm>
+        <a:graphic>
+          <a:graphicData uri="http://schemas.openxmlformats.org/drawingml/2006/table">
+            <a:tbl>
+              <a:tblPr firstRow="1" bandRow="1">
+                <a:tableStyleId>{5C22544A-7EE6-4342-B048-85BDC9FD1C3A}</a:tableStyleId>
+              </a:tblPr>
+              <a:tblGrid>
+                <a:gridCol w="3886200">
+                  <a:extLst>
+                    <a:ext uri="{9D8B030D-6E8A-4147-A177-3AD203B41FA5}">
+                      <a16:colId xmlns:a16="http://schemas.microsoft.com/office/drawing/2014/main" val="976262620"/>
+                    </a:ext>
+                  </a:extLst>
+                </a:gridCol>
+              </a:tblGrid>
+              <a:tr h="432958">
+                <a:tc>
+                  <a:txBody>
+                    <a:bodyPr/>
+                    <a:lstStyle/>
+                    <a:p>
+                      <a:r>
+                        <a:rPr lang="en-US" dirty="0"/>
+                        <a:t>Geographical alpha to visualize places with high density data points </a:t>
+                      </a:r>
+                    </a:p>
+                  </a:txBody>
+                  <a:tcPr/>
+                </a:tc>
+                <a:extLst>
+                  <a:ext uri="{0D108BD9-81ED-4DB2-BD59-A6C34878D82A}">
+                    <a16:rowId xmlns:a16="http://schemas.microsoft.com/office/drawing/2014/main" val="3944255229"/>
+                  </a:ext>
+                </a:extLst>
+              </a:tr>
+            </a:tbl>
+          </a:graphicData>
+        </a:graphic>
+      </p:graphicFrame>
+      <p:graphicFrame>
+        <p:nvGraphicFramePr>
+          <p:cNvPr id="7" name="Table 6">
+            <a:extLst>
+              <a:ext uri="{FF2B5EF4-FFF2-40B4-BE49-F238E27FC236}">
+                <a16:creationId xmlns:a16="http://schemas.microsoft.com/office/drawing/2014/main" id="{41A78096-2BD6-0CB7-B12D-B7BE32845730}"/>
+              </a:ext>
+            </a:extLst>
+          </p:cNvPr>
+          <p:cNvGraphicFramePr>
+            <a:graphicFrameLocks noGrp="1"/>
+          </p:cNvGraphicFramePr>
+          <p:nvPr>
+            <p:extLst>
+              <p:ext uri="{D42A27DB-BD31-4B8C-83A1-F6EECF244321}">
+                <p14:modId xmlns:p14="http://schemas.microsoft.com/office/powerpoint/2010/main" val="265482653"/>
+              </p:ext>
+            </p:extLst>
+          </p:nvPr>
+        </p:nvGraphicFramePr>
+        <p:xfrm>
+          <a:off x="252919" y="215956"/>
+          <a:ext cx="4745990" cy="579120"/>
+        </p:xfrm>
+        <a:graphic>
+          <a:graphicData uri="http://schemas.openxmlformats.org/drawingml/2006/table">
+            <a:tbl>
+              <a:tblPr firstRow="1" bandRow="1">
+                <a:tableStyleId>{5C22544A-7EE6-4342-B048-85BDC9FD1C3A}</a:tableStyleId>
+              </a:tblPr>
+              <a:tblGrid>
+                <a:gridCol w="4745990">
+                  <a:extLst>
+                    <a:ext uri="{9D8B030D-6E8A-4147-A177-3AD203B41FA5}">
+                      <a16:colId xmlns:a16="http://schemas.microsoft.com/office/drawing/2014/main" val="1187692014"/>
+                    </a:ext>
+                  </a:extLst>
+                </a:gridCol>
+              </a:tblGrid>
+              <a:tr h="370840">
+                <a:tc>
+                  <a:txBody>
+                    <a:bodyPr/>
+                    <a:lstStyle/>
+                    <a:p>
+                      <a:r>
+                        <a:rPr lang="en-US" sz="3200" dirty="0">
+                          <a:latin typeface="+mj-lt"/>
+                          <a:cs typeface="AkayaKanadaka" panose="02010502080401010103" pitchFamily="2" charset="77"/>
+                        </a:rPr>
+                        <a:t>FINDINGS</a:t>
+                      </a:r>
+                    </a:p>
+                  </a:txBody>
+                  <a:tcPr/>
+                </a:tc>
+                <a:extLst>
+                  <a:ext uri="{0D108BD9-81ED-4DB2-BD59-A6C34878D82A}">
+                    <a16:rowId xmlns:a16="http://schemas.microsoft.com/office/drawing/2014/main" val="3984795802"/>
+                  </a:ext>
+                </a:extLst>
+              </a:tr>
+            </a:tbl>
+          </a:graphicData>
+        </a:graphic>
+      </p:graphicFrame>
+      <p:graphicFrame>
+        <p:nvGraphicFramePr>
+          <p:cNvPr id="8" name="Table 7">
+            <a:extLst>
+              <a:ext uri="{FF2B5EF4-FFF2-40B4-BE49-F238E27FC236}">
+                <a16:creationId xmlns:a16="http://schemas.microsoft.com/office/drawing/2014/main" id="{CC2089A1-04D5-D2DF-36BC-63520B527896}"/>
+              </a:ext>
+            </a:extLst>
+          </p:cNvPr>
+          <p:cNvGraphicFramePr>
+            <a:graphicFrameLocks noGrp="1"/>
+          </p:cNvGraphicFramePr>
+          <p:nvPr>
+            <p:extLst>
+              <p:ext uri="{D42A27DB-BD31-4B8C-83A1-F6EECF244321}">
+                <p14:modId xmlns:p14="http://schemas.microsoft.com/office/powerpoint/2010/main" val="892531714"/>
+              </p:ext>
+            </p:extLst>
+          </p:nvPr>
+        </p:nvGraphicFramePr>
+        <p:xfrm>
+          <a:off x="6310818" y="3926840"/>
+          <a:ext cx="5323651" cy="1188720"/>
+        </p:xfrm>
+        <a:graphic>
+          <a:graphicData uri="http://schemas.openxmlformats.org/drawingml/2006/table">
+            <a:tbl>
+              <a:tblPr firstRow="1" bandRow="1">
+                <a:tableStyleId>{5C22544A-7EE6-4342-B048-85BDC9FD1C3A}</a:tableStyleId>
+              </a:tblPr>
+              <a:tblGrid>
+                <a:gridCol w="5323651">
+                  <a:extLst>
+                    <a:ext uri="{9D8B030D-6E8A-4147-A177-3AD203B41FA5}">
+                      <a16:colId xmlns:a16="http://schemas.microsoft.com/office/drawing/2014/main" val="3965278350"/>
+                    </a:ext>
+                  </a:extLst>
+                </a:gridCol>
+              </a:tblGrid>
+              <a:tr h="0">
+                <a:tc>
+                  <a:txBody>
+                    <a:bodyPr/>
+                    <a:lstStyle/>
+                    <a:p>
+                      <a:r>
+                        <a:rPr lang="en-US" dirty="0"/>
+                        <a:t>This shows that fewer events occurred at higher magnitudes.</a:t>
+                      </a:r>
+                    </a:p>
+                    <a:p>
+                      <a:endParaRPr lang="en-US" dirty="0"/>
+                    </a:p>
+                    <a:p>
+                      <a:endParaRPr lang="en-US" dirty="0"/>
+                    </a:p>
+                  </a:txBody>
+                  <a:tcPr/>
+                </a:tc>
+                <a:extLst>
+                  <a:ext uri="{0D108BD9-81ED-4DB2-BD59-A6C34878D82A}">
+                    <a16:rowId xmlns:a16="http://schemas.microsoft.com/office/drawing/2014/main" val="1988771687"/>
+                  </a:ext>
+                </a:extLst>
+              </a:tr>
+            </a:tbl>
+          </a:graphicData>
+        </a:graphic>
+      </p:graphicFrame>
     </p:spTree>
     <p:extLst>
       <p:ext uri="{BB962C8B-B14F-4D97-AF65-F5344CB8AC3E}">
@@ -3578,39 +3895,1001 @@
           <a:bodyPr/>
           <a:lstStyle/>
           <a:p>
-            <a:endParaRPr lang="en-US"/>
-          </a:p>
-        </p:txBody>
-      </p:sp>
-      <p:sp>
-        <p:nvSpPr>
-          <p:cNvPr id="3" name="Content Placeholder 2">
+            <a:endParaRPr lang="en-US" dirty="0"/>
+          </a:p>
+        </p:txBody>
+      </p:sp>
+      <p:pic>
+        <p:nvPicPr>
+          <p:cNvPr id="4" name="Content Placeholder 3">
             <a:extLst>
               <a:ext uri="{FF2B5EF4-FFF2-40B4-BE49-F238E27FC236}">
-                <a16:creationId xmlns:a16="http://schemas.microsoft.com/office/drawing/2014/main" id="{46045695-538F-EE19-9505-FA37AB3A6397}"/>
+                <a16:creationId xmlns:a16="http://schemas.microsoft.com/office/drawing/2014/main" id="{F3F97C9F-EE5D-5CF0-AB74-35B8C9746EB8}"/>
               </a:ext>
             </a:extLst>
           </p:cNvPr>
-          <p:cNvSpPr>
-            <a:spLocks noGrp="1"/>
-          </p:cNvSpPr>
+          <p:cNvPicPr>
+            <a:picLocks noGrp="1" noChangeAspect="1"/>
+          </p:cNvPicPr>
           <p:nvPr>
             <p:ph idx="1"/>
           </p:nvPr>
-        </p:nvSpPr>
-        <p:spPr/>
-        <p:txBody>
-          <a:bodyPr/>
-          <a:lstStyle/>
-          <a:p>
-            <a:endParaRPr lang="en-US"/>
-          </a:p>
-        </p:txBody>
-      </p:sp>
+        </p:nvPicPr>
+        <p:blipFill>
+          <a:blip r:embed="rId2"/>
+          <a:stretch>
+            <a:fillRect/>
+          </a:stretch>
+        </p:blipFill>
+        <p:spPr>
+          <a:xfrm>
+            <a:off x="0" y="560070"/>
+            <a:ext cx="4720590" cy="5429249"/>
+          </a:xfrm>
+          <a:prstGeom prst="rect">
+            <a:avLst/>
+          </a:prstGeom>
+        </p:spPr>
+      </p:pic>
+      <p:graphicFrame>
+        <p:nvGraphicFramePr>
+          <p:cNvPr id="5" name="Table 4">
+            <a:extLst>
+              <a:ext uri="{FF2B5EF4-FFF2-40B4-BE49-F238E27FC236}">
+                <a16:creationId xmlns:a16="http://schemas.microsoft.com/office/drawing/2014/main" id="{364423BA-4FBA-7538-C217-54E15A4586F9}"/>
+              </a:ext>
+            </a:extLst>
+          </p:cNvPr>
+          <p:cNvGraphicFramePr>
+            <a:graphicFrameLocks noGrp="1"/>
+          </p:cNvGraphicFramePr>
+          <p:nvPr>
+            <p:extLst>
+              <p:ext uri="{D42A27DB-BD31-4B8C-83A1-F6EECF244321}">
+                <p14:modId xmlns:p14="http://schemas.microsoft.com/office/powerpoint/2010/main" val="4199709116"/>
+              </p:ext>
+            </p:extLst>
+          </p:nvPr>
+        </p:nvGraphicFramePr>
+        <p:xfrm>
+          <a:off x="2032000" y="17661892"/>
+          <a:ext cx="8128000" cy="3383280"/>
+        </p:xfrm>
+        <a:graphic>
+          <a:graphicData uri="http://schemas.openxmlformats.org/drawingml/2006/table">
+            <a:tbl>
+              <a:tblPr firstRow="1" bandRow="1">
+                <a:tableStyleId>{5C22544A-7EE6-4342-B048-85BDC9FD1C3A}</a:tableStyleId>
+              </a:tblPr>
+              <a:tblGrid>
+                <a:gridCol w="8128000">
+                  <a:extLst>
+                    <a:ext uri="{9D8B030D-6E8A-4147-A177-3AD203B41FA5}">
+                      <a16:colId xmlns:a16="http://schemas.microsoft.com/office/drawing/2014/main" val="436606378"/>
+                    </a:ext>
+                  </a:extLst>
+                </a:gridCol>
+              </a:tblGrid>
+              <a:tr h="370840">
+                <a:tc>
+                  <a:txBody>
+                    <a:bodyPr/>
+                    <a:lstStyle/>
+                    <a:p>
+                      <a:r>
+                        <a:rPr lang="en-GB" sz="1800" b="0" kern="1200" dirty="0">
+                          <a:solidFill>
+                            <a:schemeClr val="lt1"/>
+                          </a:solidFill>
+                          <a:effectLst/>
+                          <a:latin typeface="+mn-lt"/>
+                          <a:ea typeface="+mn-ea"/>
+                          <a:cs typeface="+mn-cs"/>
+                        </a:rPr>
+                        <a:t>purple = longitude</a:t>
+                      </a:r>
+                    </a:p>
+                    <a:p>
+                      <a:r>
+                        <a:rPr lang="en-GB" sz="1800" b="0" kern="1200" dirty="0">
+                          <a:solidFill>
+                            <a:schemeClr val="lt1"/>
+                          </a:solidFill>
+                          <a:effectLst/>
+                          <a:latin typeface="+mn-lt"/>
+                          <a:ea typeface="+mn-ea"/>
+                          <a:cs typeface="+mn-cs"/>
+                        </a:rPr>
+                        <a:t>red = latitude</a:t>
+                      </a:r>
+                    </a:p>
+                    <a:p>
+                      <a:r>
+                        <a:rPr lang="en-GB" sz="1800" b="0" kern="1200" dirty="0">
+                          <a:solidFill>
+                            <a:schemeClr val="lt1"/>
+                          </a:solidFill>
+                          <a:effectLst/>
+                          <a:latin typeface="+mn-lt"/>
+                          <a:ea typeface="+mn-ea"/>
+                          <a:cs typeface="+mn-cs"/>
+                        </a:rPr>
+                        <a:t>depth = yellow</a:t>
+                      </a:r>
+                    </a:p>
+                    <a:p>
+                      <a:r>
+                        <a:rPr lang="en-GB" sz="1800" b="0" kern="1200" dirty="0">
+                          <a:solidFill>
+                            <a:schemeClr val="lt1"/>
+                          </a:solidFill>
+                          <a:effectLst/>
+                          <a:latin typeface="+mn-lt"/>
+                          <a:ea typeface="+mn-ea"/>
+                          <a:cs typeface="+mn-cs"/>
+                        </a:rPr>
+                        <a:t>blue = </a:t>
+                      </a:r>
+                      <a:r>
+                        <a:rPr lang="en-GB" sz="1800" b="0" kern="1200" dirty="0" err="1">
+                          <a:solidFill>
+                            <a:schemeClr val="lt1"/>
+                          </a:solidFill>
+                          <a:effectLst/>
+                          <a:latin typeface="+mn-lt"/>
+                          <a:ea typeface="+mn-ea"/>
+                          <a:cs typeface="+mn-cs"/>
+                        </a:rPr>
+                        <a:t>magNst</a:t>
+                      </a:r>
+                      <a:endParaRPr lang="en-GB" sz="1800" b="0" kern="1200" dirty="0">
+                        <a:solidFill>
+                          <a:schemeClr val="lt1"/>
+                        </a:solidFill>
+                        <a:effectLst/>
+                        <a:latin typeface="+mn-lt"/>
+                        <a:ea typeface="+mn-ea"/>
+                        <a:cs typeface="+mn-cs"/>
+                      </a:endParaRPr>
+                    </a:p>
+                    <a:p>
+                      <a:br>
+                        <a:rPr lang="en-GB" sz="1800" b="0" kern="1200" dirty="0">
+                          <a:solidFill>
+                            <a:schemeClr val="lt1"/>
+                          </a:solidFill>
+                          <a:effectLst/>
+                          <a:latin typeface="+mn-lt"/>
+                          <a:ea typeface="+mn-ea"/>
+                          <a:cs typeface="+mn-cs"/>
+                        </a:rPr>
+                      </a:br>
+                      <a:r>
+                        <a:rPr lang="en-GB" sz="1800" b="0" kern="1200" dirty="0">
+                          <a:solidFill>
+                            <a:schemeClr val="lt1"/>
+                          </a:solidFill>
+                          <a:effectLst/>
+                          <a:latin typeface="+mn-lt"/>
+                          <a:ea typeface="+mn-ea"/>
+                          <a:cs typeface="+mn-cs"/>
+                        </a:rPr>
+                        <a:t>From the observation, both the longitude and latitude tends </a:t>
+                      </a:r>
+                    </a:p>
+                    <a:p>
+                      <a:r>
+                        <a:rPr lang="en-GB" sz="1800" b="0" kern="1200" dirty="0">
+                          <a:solidFill>
+                            <a:schemeClr val="lt1"/>
+                          </a:solidFill>
+                          <a:effectLst/>
+                          <a:latin typeface="+mn-lt"/>
+                          <a:ea typeface="+mn-ea"/>
+                          <a:cs typeface="+mn-cs"/>
+                        </a:rPr>
+                        <a:t>have negative coefficient below 0 showing that mag increases while </a:t>
+                      </a:r>
+                      <a:r>
+                        <a:rPr lang="en-GB" sz="1800" b="0" kern="1200" dirty="0" err="1">
+                          <a:solidFill>
+                            <a:schemeClr val="lt1"/>
+                          </a:solidFill>
+                          <a:effectLst/>
+                          <a:latin typeface="+mn-lt"/>
+                          <a:ea typeface="+mn-ea"/>
+                          <a:cs typeface="+mn-cs"/>
+                        </a:rPr>
+                        <a:t>lat</a:t>
+                      </a:r>
+                      <a:r>
+                        <a:rPr lang="en-GB" sz="1800" b="0" kern="1200" dirty="0">
+                          <a:solidFill>
+                            <a:schemeClr val="lt1"/>
+                          </a:solidFill>
+                          <a:effectLst/>
+                          <a:latin typeface="+mn-lt"/>
+                          <a:ea typeface="+mn-ea"/>
+                          <a:cs typeface="+mn-cs"/>
+                        </a:rPr>
+                        <a:t> and long decreases.</a:t>
+                      </a:r>
+                    </a:p>
+                    <a:p>
+                      <a:br>
+                        <a:rPr lang="en-GB" sz="1800" b="0" kern="1200" dirty="0">
+                          <a:solidFill>
+                            <a:schemeClr val="lt1"/>
+                          </a:solidFill>
+                          <a:effectLst/>
+                          <a:latin typeface="+mn-lt"/>
+                          <a:ea typeface="+mn-ea"/>
+                          <a:cs typeface="+mn-cs"/>
+                        </a:rPr>
+                      </a:br>
+                      <a:r>
+                        <a:rPr lang="en-GB" sz="1800" b="0" kern="1200" dirty="0">
+                          <a:solidFill>
+                            <a:schemeClr val="lt1"/>
+                          </a:solidFill>
+                          <a:effectLst/>
+                          <a:latin typeface="+mn-lt"/>
+                          <a:ea typeface="+mn-ea"/>
+                          <a:cs typeface="+mn-cs"/>
+                        </a:rPr>
+                        <a:t>-</a:t>
+                      </a:r>
+                      <a:r>
+                        <a:rPr lang="en-GB" sz="1800" b="0" kern="1200" dirty="0" err="1">
+                          <a:solidFill>
+                            <a:schemeClr val="lt1"/>
+                          </a:solidFill>
+                          <a:effectLst/>
+                          <a:latin typeface="+mn-lt"/>
+                          <a:ea typeface="+mn-ea"/>
+                          <a:cs typeface="+mn-cs"/>
+                        </a:rPr>
+                        <a:t>ve</a:t>
+                      </a:r>
+                      <a:r>
+                        <a:rPr lang="en-GB" sz="1800" b="0" kern="1200" dirty="0">
+                          <a:solidFill>
+                            <a:schemeClr val="lt1"/>
+                          </a:solidFill>
+                          <a:effectLst/>
+                          <a:latin typeface="+mn-lt"/>
+                          <a:ea typeface="+mn-ea"/>
+                          <a:cs typeface="+mn-cs"/>
+                        </a:rPr>
+                        <a:t> value for latitude points down to south</a:t>
+                      </a:r>
+                    </a:p>
+                    <a:p>
+                      <a:r>
+                        <a:rPr lang="en-GB" sz="1800" b="0" kern="1200" dirty="0">
+                          <a:solidFill>
+                            <a:schemeClr val="lt1"/>
+                          </a:solidFill>
+                          <a:effectLst/>
+                          <a:latin typeface="+mn-lt"/>
+                          <a:ea typeface="+mn-ea"/>
+                          <a:cs typeface="+mn-cs"/>
+                        </a:rPr>
+                        <a:t>-</a:t>
+                      </a:r>
+                      <a:r>
+                        <a:rPr lang="en-GB" sz="1800" b="0" kern="1200" dirty="0" err="1">
+                          <a:solidFill>
+                            <a:schemeClr val="lt1"/>
+                          </a:solidFill>
+                          <a:effectLst/>
+                          <a:latin typeface="+mn-lt"/>
+                          <a:ea typeface="+mn-ea"/>
+                          <a:cs typeface="+mn-cs"/>
+                        </a:rPr>
+                        <a:t>ve</a:t>
+                      </a:r>
+                      <a:r>
+                        <a:rPr lang="en-GB" sz="1800" b="0" kern="1200" dirty="0">
+                          <a:solidFill>
+                            <a:schemeClr val="lt1"/>
+                          </a:solidFill>
+                          <a:effectLst/>
+                          <a:latin typeface="+mn-lt"/>
+                          <a:ea typeface="+mn-ea"/>
+                          <a:cs typeface="+mn-cs"/>
+                        </a:rPr>
+                        <a:t> value for longitude points to west</a:t>
+                      </a:r>
+                    </a:p>
+                    <a:p>
+                      <a:endParaRPr lang="en-US" dirty="0"/>
+                    </a:p>
+                  </a:txBody>
+                  <a:tcPr/>
+                </a:tc>
+                <a:extLst>
+                  <a:ext uri="{0D108BD9-81ED-4DB2-BD59-A6C34878D82A}">
+                    <a16:rowId xmlns:a16="http://schemas.microsoft.com/office/drawing/2014/main" val="4102878881"/>
+                  </a:ext>
+                </a:extLst>
+              </a:tr>
+            </a:tbl>
+          </a:graphicData>
+        </a:graphic>
+      </p:graphicFrame>
+      <p:graphicFrame>
+        <p:nvGraphicFramePr>
+          <p:cNvPr id="6" name="Table 5">
+            <a:extLst>
+              <a:ext uri="{FF2B5EF4-FFF2-40B4-BE49-F238E27FC236}">
+                <a16:creationId xmlns:a16="http://schemas.microsoft.com/office/drawing/2014/main" id="{5FF77874-0597-CB2F-97B7-DFE4DA053C6D}"/>
+              </a:ext>
+            </a:extLst>
+          </p:cNvPr>
+          <p:cNvGraphicFramePr>
+            <a:graphicFrameLocks noGrp="1"/>
+          </p:cNvGraphicFramePr>
+          <p:nvPr>
+            <p:extLst>
+              <p:ext uri="{D42A27DB-BD31-4B8C-83A1-F6EECF244321}">
+                <p14:modId xmlns:p14="http://schemas.microsoft.com/office/powerpoint/2010/main" val="3548402158"/>
+              </p:ext>
+            </p:extLst>
+          </p:nvPr>
+        </p:nvGraphicFramePr>
+        <p:xfrm>
+          <a:off x="4892040" y="719666"/>
+          <a:ext cx="6446520" cy="5303520"/>
+        </p:xfrm>
+        <a:graphic>
+          <a:graphicData uri="http://schemas.openxmlformats.org/drawingml/2006/table">
+            <a:tbl>
+              <a:tblPr firstRow="1" bandRow="1">
+                <a:tableStyleId>{5C22544A-7EE6-4342-B048-85BDC9FD1C3A}</a:tableStyleId>
+              </a:tblPr>
+              <a:tblGrid>
+                <a:gridCol w="6446520">
+                  <a:extLst>
+                    <a:ext uri="{9D8B030D-6E8A-4147-A177-3AD203B41FA5}">
+                      <a16:colId xmlns:a16="http://schemas.microsoft.com/office/drawing/2014/main" val="2883844927"/>
+                    </a:ext>
+                  </a:extLst>
+                </a:gridCol>
+              </a:tblGrid>
+              <a:tr h="370840">
+                <a:tc>
+                  <a:txBody>
+                    <a:bodyPr/>
+                    <a:lstStyle/>
+                    <a:p>
+                      <a:r>
+                        <a:rPr lang="en-GB" sz="1800" b="0" kern="1200" dirty="0">
+                          <a:solidFill>
+                            <a:schemeClr val="lt1"/>
+                          </a:solidFill>
+                          <a:effectLst/>
+                          <a:latin typeface="+mn-lt"/>
+                          <a:ea typeface="+mn-ea"/>
+                          <a:cs typeface="+mn-cs"/>
+                        </a:rPr>
+                        <a:t>purple = longitude</a:t>
+                      </a:r>
+                    </a:p>
+                    <a:p>
+                      <a:r>
+                        <a:rPr lang="en-GB" sz="1800" b="0" kern="1200" dirty="0">
+                          <a:solidFill>
+                            <a:schemeClr val="lt1"/>
+                          </a:solidFill>
+                          <a:effectLst/>
+                          <a:latin typeface="+mn-lt"/>
+                          <a:ea typeface="+mn-ea"/>
+                          <a:cs typeface="+mn-cs"/>
+                        </a:rPr>
+                        <a:t>red = latitude</a:t>
+                      </a:r>
+                    </a:p>
+                    <a:p>
+                      <a:r>
+                        <a:rPr lang="en-GB" sz="1800" b="0" kern="1200" dirty="0">
+                          <a:solidFill>
+                            <a:schemeClr val="lt1"/>
+                          </a:solidFill>
+                          <a:effectLst/>
+                          <a:latin typeface="+mn-lt"/>
+                          <a:ea typeface="+mn-ea"/>
+                          <a:cs typeface="+mn-cs"/>
+                        </a:rPr>
+                        <a:t>depth = yellow</a:t>
+                      </a:r>
+                    </a:p>
+                    <a:p>
+                      <a:r>
+                        <a:rPr lang="en-GB" sz="1800" b="0" kern="1200" dirty="0">
+                          <a:solidFill>
+                            <a:schemeClr val="lt1"/>
+                          </a:solidFill>
+                          <a:effectLst/>
+                          <a:latin typeface="+mn-lt"/>
+                          <a:ea typeface="+mn-ea"/>
+                          <a:cs typeface="+mn-cs"/>
+                        </a:rPr>
+                        <a:t>blue = </a:t>
+                      </a:r>
+                      <a:r>
+                        <a:rPr lang="en-GB" sz="1800" b="0" kern="1200" dirty="0" err="1">
+                          <a:solidFill>
+                            <a:schemeClr val="lt1"/>
+                          </a:solidFill>
+                          <a:effectLst/>
+                          <a:latin typeface="+mn-lt"/>
+                          <a:ea typeface="+mn-ea"/>
+                          <a:cs typeface="+mn-cs"/>
+                        </a:rPr>
+                        <a:t>magNst</a:t>
+                      </a:r>
+                      <a:endParaRPr lang="en-GB" sz="1800" b="0" kern="1200" dirty="0">
+                        <a:solidFill>
+                          <a:schemeClr val="lt1"/>
+                        </a:solidFill>
+                        <a:effectLst/>
+                        <a:latin typeface="+mn-lt"/>
+                        <a:ea typeface="+mn-ea"/>
+                        <a:cs typeface="+mn-cs"/>
+                      </a:endParaRPr>
+                    </a:p>
+                    <a:p>
+                      <a:br>
+                        <a:rPr lang="en-GB" sz="1800" b="0" kern="1200" dirty="0">
+                          <a:solidFill>
+                            <a:schemeClr val="lt1"/>
+                          </a:solidFill>
+                          <a:effectLst/>
+                          <a:latin typeface="+mn-lt"/>
+                          <a:ea typeface="+mn-ea"/>
+                          <a:cs typeface="+mn-cs"/>
+                        </a:rPr>
+                      </a:br>
+                      <a:r>
+                        <a:rPr lang="en-GB" sz="1800" b="0" kern="1200" dirty="0">
+                          <a:solidFill>
+                            <a:schemeClr val="lt1"/>
+                          </a:solidFill>
+                          <a:effectLst/>
+                          <a:latin typeface="+mn-lt"/>
+                          <a:ea typeface="+mn-ea"/>
+                          <a:cs typeface="+mn-cs"/>
+                        </a:rPr>
+                        <a:t>From the observation, both the longitude and latitude tends </a:t>
+                      </a:r>
+                    </a:p>
+                    <a:p>
+                      <a:r>
+                        <a:rPr lang="en-GB" sz="1800" b="0" kern="1200" dirty="0">
+                          <a:solidFill>
+                            <a:schemeClr val="lt1"/>
+                          </a:solidFill>
+                          <a:effectLst/>
+                          <a:latin typeface="+mn-lt"/>
+                          <a:ea typeface="+mn-ea"/>
+                          <a:cs typeface="+mn-cs"/>
+                        </a:rPr>
+                        <a:t>have regress downwards below ‘ 0’ showing that magnitude increases while latitude and longitude decreases.</a:t>
+                      </a:r>
+                    </a:p>
+                    <a:p>
+                      <a:endParaRPr lang="en-GB" sz="1800" b="0" kern="1200" dirty="0">
+                        <a:solidFill>
+                          <a:schemeClr val="lt1"/>
+                        </a:solidFill>
+                        <a:effectLst/>
+                        <a:latin typeface="+mn-lt"/>
+                        <a:ea typeface="+mn-ea"/>
+                        <a:cs typeface="+mn-cs"/>
+                      </a:endParaRPr>
+                    </a:p>
+                    <a:p>
+                      <a:r>
+                        <a:rPr lang="en-GB" sz="1800" b="0" kern="1200" dirty="0">
+                          <a:solidFill>
+                            <a:schemeClr val="lt1"/>
+                          </a:solidFill>
+                          <a:effectLst/>
+                          <a:latin typeface="+mn-lt"/>
+                          <a:ea typeface="+mn-ea"/>
+                          <a:cs typeface="+mn-cs"/>
+                        </a:rPr>
+                        <a:t>The Magnitude also increases with depth.</a:t>
+                      </a:r>
+                    </a:p>
+                    <a:p>
+                      <a:endParaRPr lang="en-GB" sz="1800" b="0" kern="1200" dirty="0">
+                        <a:solidFill>
+                          <a:schemeClr val="lt1"/>
+                        </a:solidFill>
+                        <a:effectLst/>
+                        <a:latin typeface="+mn-lt"/>
+                        <a:ea typeface="+mn-ea"/>
+                        <a:cs typeface="+mn-cs"/>
+                      </a:endParaRPr>
+                    </a:p>
+                    <a:p>
+                      <a:endParaRPr lang="en-GB" sz="1800" b="0" kern="1200" dirty="0">
+                        <a:solidFill>
+                          <a:schemeClr val="lt1"/>
+                        </a:solidFill>
+                        <a:effectLst/>
+                        <a:latin typeface="+mn-lt"/>
+                        <a:ea typeface="+mn-ea"/>
+                        <a:cs typeface="+mn-cs"/>
+                      </a:endParaRPr>
+                    </a:p>
+                    <a:p>
+                      <a:endParaRPr lang="en-GB" sz="1800" b="0" kern="1200" dirty="0">
+                        <a:solidFill>
+                          <a:schemeClr val="lt1"/>
+                        </a:solidFill>
+                        <a:effectLst/>
+                        <a:latin typeface="+mn-lt"/>
+                        <a:ea typeface="+mn-ea"/>
+                        <a:cs typeface="+mn-cs"/>
+                      </a:endParaRPr>
+                    </a:p>
+                    <a:p>
+                      <a:endParaRPr lang="en-GB" sz="1800" b="0" kern="1200" dirty="0">
+                        <a:solidFill>
+                          <a:schemeClr val="lt1"/>
+                        </a:solidFill>
+                        <a:effectLst/>
+                        <a:latin typeface="+mn-lt"/>
+                        <a:ea typeface="+mn-ea"/>
+                        <a:cs typeface="+mn-cs"/>
+                      </a:endParaRPr>
+                    </a:p>
+                    <a:p>
+                      <a:endParaRPr lang="en-GB" sz="1800" b="0" kern="1200" dirty="0">
+                        <a:solidFill>
+                          <a:schemeClr val="lt1"/>
+                        </a:solidFill>
+                        <a:effectLst/>
+                        <a:latin typeface="+mn-lt"/>
+                        <a:ea typeface="+mn-ea"/>
+                        <a:cs typeface="+mn-cs"/>
+                      </a:endParaRPr>
+                    </a:p>
+                    <a:p>
+                      <a:r>
+                        <a:rPr lang="en-GB" sz="1800" b="0" kern="1200" dirty="0">
+                          <a:solidFill>
+                            <a:schemeClr val="lt1"/>
+                          </a:solidFill>
+                          <a:effectLst/>
+                          <a:latin typeface="+mn-lt"/>
+                          <a:ea typeface="+mn-ea"/>
+                          <a:cs typeface="+mn-cs"/>
+                        </a:rPr>
+                        <a:t>Notes.</a:t>
+                      </a:r>
+                      <a:br>
+                        <a:rPr lang="en-GB" sz="1800" b="0" kern="1200" dirty="0">
+                          <a:solidFill>
+                            <a:schemeClr val="lt1"/>
+                          </a:solidFill>
+                          <a:effectLst/>
+                          <a:latin typeface="+mn-lt"/>
+                          <a:ea typeface="+mn-ea"/>
+                          <a:cs typeface="+mn-cs"/>
+                        </a:rPr>
+                      </a:br>
+                      <a:r>
+                        <a:rPr lang="en-GB" sz="1800" b="0" kern="1200" dirty="0">
+                          <a:solidFill>
+                            <a:schemeClr val="lt1"/>
+                          </a:solidFill>
+                          <a:effectLst/>
+                          <a:latin typeface="+mn-lt"/>
+                          <a:ea typeface="+mn-ea"/>
+                          <a:cs typeface="+mn-cs"/>
+                        </a:rPr>
+                        <a:t>-</a:t>
+                      </a:r>
+                      <a:r>
+                        <a:rPr lang="en-GB" sz="1800" b="0" kern="1200" dirty="0" err="1">
+                          <a:solidFill>
+                            <a:schemeClr val="lt1"/>
+                          </a:solidFill>
+                          <a:effectLst/>
+                          <a:latin typeface="+mn-lt"/>
+                          <a:ea typeface="+mn-ea"/>
+                          <a:cs typeface="+mn-cs"/>
+                        </a:rPr>
+                        <a:t>ve</a:t>
+                      </a:r>
+                      <a:r>
+                        <a:rPr lang="en-GB" sz="1800" b="0" kern="1200" dirty="0">
+                          <a:solidFill>
+                            <a:schemeClr val="lt1"/>
+                          </a:solidFill>
+                          <a:effectLst/>
+                          <a:latin typeface="+mn-lt"/>
+                          <a:ea typeface="+mn-ea"/>
+                          <a:cs typeface="+mn-cs"/>
+                        </a:rPr>
+                        <a:t> value for latitude points down to south</a:t>
+                      </a:r>
+                    </a:p>
+                    <a:p>
+                      <a:r>
+                        <a:rPr lang="en-GB" sz="1800" b="0" kern="1200" dirty="0">
+                          <a:solidFill>
+                            <a:schemeClr val="lt1"/>
+                          </a:solidFill>
+                          <a:effectLst/>
+                          <a:latin typeface="+mn-lt"/>
+                          <a:ea typeface="+mn-ea"/>
+                          <a:cs typeface="+mn-cs"/>
+                        </a:rPr>
+                        <a:t>-</a:t>
+                      </a:r>
+                      <a:r>
+                        <a:rPr lang="en-GB" sz="1800" b="0" kern="1200" dirty="0" err="1">
+                          <a:solidFill>
+                            <a:schemeClr val="lt1"/>
+                          </a:solidFill>
+                          <a:effectLst/>
+                          <a:latin typeface="+mn-lt"/>
+                          <a:ea typeface="+mn-ea"/>
+                          <a:cs typeface="+mn-cs"/>
+                        </a:rPr>
+                        <a:t>ve</a:t>
+                      </a:r>
+                      <a:r>
+                        <a:rPr lang="en-GB" sz="1800" b="0" kern="1200" dirty="0">
+                          <a:solidFill>
+                            <a:schemeClr val="lt1"/>
+                          </a:solidFill>
+                          <a:effectLst/>
+                          <a:latin typeface="+mn-lt"/>
+                          <a:ea typeface="+mn-ea"/>
+                          <a:cs typeface="+mn-cs"/>
+                        </a:rPr>
+                        <a:t> value for longitude points to west</a:t>
+                      </a:r>
+                    </a:p>
+                    <a:p>
+                      <a:endParaRPr lang="en-US" dirty="0"/>
+                    </a:p>
+                  </a:txBody>
+                  <a:tcPr/>
+                </a:tc>
+                <a:extLst>
+                  <a:ext uri="{0D108BD9-81ED-4DB2-BD59-A6C34878D82A}">
+                    <a16:rowId xmlns:a16="http://schemas.microsoft.com/office/drawing/2014/main" val="2802448020"/>
+                  </a:ext>
+                </a:extLst>
+              </a:tr>
+            </a:tbl>
+          </a:graphicData>
+        </a:graphic>
+      </p:graphicFrame>
     </p:spTree>
     <p:extLst>
       <p:ext uri="{BB962C8B-B14F-4D97-AF65-F5344CB8AC3E}">
         <p14:creationId xmlns:p14="http://schemas.microsoft.com/office/powerpoint/2010/main" val="2383479865"/>
+      </p:ext>
+    </p:extLst>
+  </p:cSld>
+  <p:clrMapOvr>
+    <a:masterClrMapping/>
+  </p:clrMapOvr>
+</p:sld>
+</file>
+
+<file path=ppt/slides/slide4.xml><?xml version="1.0" encoding="utf-8"?>
+<p:sld xmlns:a="http://schemas.openxmlformats.org/drawingml/2006/main" xmlns:r="http://schemas.openxmlformats.org/officeDocument/2006/relationships" xmlns:p="http://schemas.openxmlformats.org/presentationml/2006/main">
+  <p:cSld>
+    <p:spTree>
+      <p:nvGrpSpPr>
+        <p:cNvPr id="1" name=""/>
+        <p:cNvGrpSpPr/>
+        <p:nvPr/>
+      </p:nvGrpSpPr>
+      <p:grpSpPr>
+        <a:xfrm>
+          <a:off x="0" y="0"/>
+          <a:ext cx="0" cy="0"/>
+          <a:chOff x="0" y="0"/>
+          <a:chExt cx="0" cy="0"/>
+        </a:xfrm>
+      </p:grpSpPr>
+      <p:sp>
+        <p:nvSpPr>
+          <p:cNvPr id="3" name="Content Placeholder 2">
+            <a:extLst>
+              <a:ext uri="{FF2B5EF4-FFF2-40B4-BE49-F238E27FC236}">
+                <a16:creationId xmlns:a16="http://schemas.microsoft.com/office/drawing/2014/main" id="{991F90F9-6D66-E03D-ACFA-EEDD610DE84C}"/>
+              </a:ext>
+            </a:extLst>
+          </p:cNvPr>
+          <p:cNvSpPr>
+            <a:spLocks noGrp="1"/>
+          </p:cNvSpPr>
+          <p:nvPr>
+            <p:ph idx="1"/>
+          </p:nvPr>
+        </p:nvSpPr>
+        <p:spPr>
+          <a:xfrm>
+            <a:off x="4784278" y="1108710"/>
+            <a:ext cx="6082689" cy="3481578"/>
+          </a:xfrm>
+        </p:spPr>
+        <p:txBody>
+          <a:bodyPr>
+            <a:normAutofit fontScale="92500"/>
+          </a:bodyPr>
+          <a:lstStyle/>
+          <a:p>
+            <a:r>
+              <a:rPr lang="en-US" dirty="0"/>
+              <a:t>The Geysers, located at Sonoma and Lake counties California, United States recorded the highest occurrence of Earthquake.</a:t>
+            </a:r>
+          </a:p>
+          <a:p>
+            <a:r>
+              <a:rPr lang="en-US" dirty="0"/>
+              <a:t>Earthquake with high magnitudes are rare, the data also showed most of the earthquakes are micro earthquakes.</a:t>
+            </a:r>
+          </a:p>
+          <a:p>
+            <a:pPr>
+              <a:buFont typeface="Arial" panose="020B0604020202020204" pitchFamily="34" charset="0"/>
+              <a:buChar char="•"/>
+            </a:pPr>
+            <a:r>
+              <a:rPr lang="en-US" dirty="0"/>
+              <a:t>Earthquake Magnitude increases with depth.</a:t>
+            </a:r>
+          </a:p>
+          <a:p>
+            <a:pPr>
+              <a:buFont typeface="Arial" panose="020B0604020202020204" pitchFamily="34" charset="0"/>
+              <a:buChar char="•"/>
+            </a:pPr>
+            <a:r>
+              <a:rPr lang="en-US" dirty="0"/>
+              <a:t>Longitude and latitude </a:t>
+            </a:r>
+          </a:p>
+          <a:p>
+            <a:pPr>
+              <a:buFont typeface="Arial" panose="020B0604020202020204" pitchFamily="34" charset="0"/>
+              <a:buChar char="•"/>
+            </a:pPr>
+            <a:endParaRPr lang="en-US" dirty="0"/>
+          </a:p>
+          <a:p>
+            <a:pPr marL="0" indent="0">
+              <a:buNone/>
+            </a:pPr>
+            <a:br>
+              <a:rPr lang="en-GB" b="0" dirty="0">
+                <a:solidFill>
+                  <a:srgbClr val="CCCCCC"/>
+                </a:solidFill>
+                <a:effectLst/>
+                <a:latin typeface="Menlo" panose="020B0609030804020204" pitchFamily="49" charset="0"/>
+              </a:rPr>
+            </a:br>
+            <a:endParaRPr lang="en-GB" b="0" dirty="0">
+              <a:solidFill>
+                <a:srgbClr val="CCCCCC"/>
+              </a:solidFill>
+              <a:effectLst/>
+              <a:latin typeface="Menlo" panose="020B0609030804020204" pitchFamily="49" charset="0"/>
+            </a:endParaRPr>
+          </a:p>
+          <a:p>
+            <a:endParaRPr lang="en-US" dirty="0"/>
+          </a:p>
+        </p:txBody>
+      </p:sp>
+      <p:pic>
+        <p:nvPicPr>
+          <p:cNvPr id="5" name="Picture 4">
+            <a:extLst>
+              <a:ext uri="{FF2B5EF4-FFF2-40B4-BE49-F238E27FC236}">
+                <a16:creationId xmlns:a16="http://schemas.microsoft.com/office/drawing/2014/main" id="{F88269BF-63D8-52CA-F180-968969250F80}"/>
+              </a:ext>
+            </a:extLst>
+          </p:cNvPr>
+          <p:cNvPicPr>
+            <a:picLocks noChangeAspect="1"/>
+          </p:cNvPicPr>
+          <p:nvPr/>
+        </p:nvPicPr>
+        <p:blipFill>
+          <a:blip r:embed="rId2"/>
+          <a:stretch>
+            <a:fillRect/>
+          </a:stretch>
+        </p:blipFill>
+        <p:spPr>
+          <a:xfrm>
+            <a:off x="15240" y="754380"/>
+            <a:ext cx="4625340" cy="5143500"/>
+          </a:xfrm>
+          <a:prstGeom prst="rect">
+            <a:avLst/>
+          </a:prstGeom>
+        </p:spPr>
+      </p:pic>
+      <p:graphicFrame>
+        <p:nvGraphicFramePr>
+          <p:cNvPr id="6" name="Table 5">
+            <a:extLst>
+              <a:ext uri="{FF2B5EF4-FFF2-40B4-BE49-F238E27FC236}">
+                <a16:creationId xmlns:a16="http://schemas.microsoft.com/office/drawing/2014/main" id="{BB38152D-C840-81F5-6D43-2C415A9669FB}"/>
+              </a:ext>
+            </a:extLst>
+          </p:cNvPr>
+          <p:cNvGraphicFramePr>
+            <a:graphicFrameLocks noGrp="1"/>
+          </p:cNvGraphicFramePr>
+          <p:nvPr>
+            <p:extLst>
+              <p:ext uri="{D42A27DB-BD31-4B8C-83A1-F6EECF244321}">
+                <p14:modId xmlns:p14="http://schemas.microsoft.com/office/powerpoint/2010/main" val="3586625731"/>
+              </p:ext>
+            </p:extLst>
+          </p:nvPr>
+        </p:nvGraphicFramePr>
+        <p:xfrm>
+          <a:off x="129540" y="5897880"/>
+          <a:ext cx="4511040" cy="548640"/>
+        </p:xfrm>
+        <a:graphic>
+          <a:graphicData uri="http://schemas.openxmlformats.org/drawingml/2006/table">
+            <a:tbl>
+              <a:tblPr firstRow="1" bandRow="1">
+                <a:tableStyleId>{5C22544A-7EE6-4342-B048-85BDC9FD1C3A}</a:tableStyleId>
+              </a:tblPr>
+              <a:tblGrid>
+                <a:gridCol w="4511040">
+                  <a:extLst>
+                    <a:ext uri="{9D8B030D-6E8A-4147-A177-3AD203B41FA5}">
+                      <a16:colId xmlns:a16="http://schemas.microsoft.com/office/drawing/2014/main" val="1361454623"/>
+                    </a:ext>
+                  </a:extLst>
+                </a:gridCol>
+              </a:tblGrid>
+              <a:tr h="548640">
+                <a:tc>
+                  <a:txBody>
+                    <a:bodyPr/>
+                    <a:lstStyle/>
+                    <a:p>
+                      <a:r>
+                        <a:rPr lang="en-US" dirty="0"/>
+                        <a:t>The 10 places with highest </a:t>
+                      </a:r>
+                      <a:r>
+                        <a:rPr lang="en-US" dirty="0" err="1"/>
+                        <a:t>occurence</a:t>
+                      </a:r>
+                      <a:endParaRPr lang="en-US" dirty="0"/>
+                    </a:p>
+                  </a:txBody>
+                  <a:tcPr/>
+                </a:tc>
+                <a:extLst>
+                  <a:ext uri="{0D108BD9-81ED-4DB2-BD59-A6C34878D82A}">
+                    <a16:rowId xmlns:a16="http://schemas.microsoft.com/office/drawing/2014/main" val="76895577"/>
+                  </a:ext>
+                </a:extLst>
+              </a:tr>
+            </a:tbl>
+          </a:graphicData>
+        </a:graphic>
+      </p:graphicFrame>
+      <p:graphicFrame>
+        <p:nvGraphicFramePr>
+          <p:cNvPr id="7" name="Table 6">
+            <a:extLst>
+              <a:ext uri="{FF2B5EF4-FFF2-40B4-BE49-F238E27FC236}">
+                <a16:creationId xmlns:a16="http://schemas.microsoft.com/office/drawing/2014/main" id="{6F4BBC8D-D2F3-D55A-F6DA-5AA37D207D03}"/>
+              </a:ext>
+            </a:extLst>
+          </p:cNvPr>
+          <p:cNvGraphicFramePr>
+            <a:graphicFrameLocks noGrp="1"/>
+          </p:cNvGraphicFramePr>
+          <p:nvPr>
+            <p:extLst>
+              <p:ext uri="{D42A27DB-BD31-4B8C-83A1-F6EECF244321}">
+                <p14:modId xmlns:p14="http://schemas.microsoft.com/office/powerpoint/2010/main" val="23378047"/>
+              </p:ext>
+            </p:extLst>
+          </p:nvPr>
+        </p:nvGraphicFramePr>
+        <p:xfrm>
+          <a:off x="5141595" y="114300"/>
+          <a:ext cx="1908810" cy="411480"/>
+        </p:xfrm>
+        <a:graphic>
+          <a:graphicData uri="http://schemas.openxmlformats.org/drawingml/2006/table">
+            <a:tbl>
+              <a:tblPr firstRow="1" bandRow="1">
+                <a:tableStyleId>{5C22544A-7EE6-4342-B048-85BDC9FD1C3A}</a:tableStyleId>
+              </a:tblPr>
+              <a:tblGrid>
+                <a:gridCol w="1908810">
+                  <a:extLst>
+                    <a:ext uri="{9D8B030D-6E8A-4147-A177-3AD203B41FA5}">
+                      <a16:colId xmlns:a16="http://schemas.microsoft.com/office/drawing/2014/main" val="3608884351"/>
+                    </a:ext>
+                  </a:extLst>
+                </a:gridCol>
+              </a:tblGrid>
+              <a:tr h="411480">
+                <a:tc>
+                  <a:txBody>
+                    <a:bodyPr/>
+                    <a:lstStyle/>
+                    <a:p>
+                      <a:r>
+                        <a:rPr lang="en-US" dirty="0"/>
+                        <a:t>Conclusion</a:t>
+                      </a:r>
+                    </a:p>
+                  </a:txBody>
+                  <a:tcPr/>
+                </a:tc>
+                <a:extLst>
+                  <a:ext uri="{0D108BD9-81ED-4DB2-BD59-A6C34878D82A}">
+                    <a16:rowId xmlns:a16="http://schemas.microsoft.com/office/drawing/2014/main" val="2793699519"/>
+                  </a:ext>
+                </a:extLst>
+              </a:tr>
+            </a:tbl>
+          </a:graphicData>
+        </a:graphic>
+      </p:graphicFrame>
+    </p:spTree>
+    <p:extLst>
+      <p:ext uri="{BB962C8B-B14F-4D97-AF65-F5344CB8AC3E}">
+        <p14:creationId xmlns:p14="http://schemas.microsoft.com/office/powerpoint/2010/main" val="3307604326"/>
+      </p:ext>
+    </p:extLst>
+  </p:cSld>
+  <p:clrMapOvr>
+    <a:masterClrMapping/>
+  </p:clrMapOvr>
+</p:sld>
+</file>
+
+<file path=ppt/slides/slide5.xml><?xml version="1.0" encoding="utf-8"?>
+<p:sld xmlns:a="http://schemas.openxmlformats.org/drawingml/2006/main" xmlns:r="http://schemas.openxmlformats.org/officeDocument/2006/relationships" xmlns:p="http://schemas.openxmlformats.org/presentationml/2006/main">
+  <p:cSld>
+    <p:spTree>
+      <p:nvGrpSpPr>
+        <p:cNvPr id="1" name=""/>
+        <p:cNvGrpSpPr/>
+        <p:nvPr/>
+      </p:nvGrpSpPr>
+      <p:grpSpPr>
+        <a:xfrm>
+          <a:off x="0" y="0"/>
+          <a:ext cx="0" cy="0"/>
+          <a:chOff x="0" y="0"/>
+          <a:chExt cx="0" cy="0"/>
+        </a:xfrm>
+      </p:grpSpPr>
+    </p:spTree>
+    <p:extLst>
+      <p:ext uri="{BB962C8B-B14F-4D97-AF65-F5344CB8AC3E}">
+        <p14:creationId xmlns:p14="http://schemas.microsoft.com/office/powerpoint/2010/main" val="2573368775"/>
       </p:ext>
     </p:extLst>
   </p:cSld>
